--- a/ppt 16-9/1361.从新得力.pptx
+++ b/ppt 16-9/1361.从新得力.pptx
@@ -5,7 +5,7 @@
     <p:sldMasterId id="2147483648" r:id="rId1"/>
   </p:sldMasterIdLst>
   <p:sldIdLst>
-    <p:sldId id="926" r:id="rId2"/>
+    <p:sldId id="927" r:id="rId2"/>
   </p:sldIdLst>
   <p:sldSz cx="12192000" cy="6858000"/>
   <p:notesSz cx="6858000" cy="9144000"/>
@@ -129,7 +129,7 @@
           <p:cNvPr id="2" name="标题 1">
             <a:extLst>
               <a:ext uri="{FF2B5EF4-FFF2-40B4-BE49-F238E27FC236}">
-                <a16:creationId xmlns:a16="http://schemas.microsoft.com/office/drawing/2014/main" id="{8E983A62-2640-4B64-464B-78841D48772F}"/>
+                <a16:creationId xmlns:a16="http://schemas.microsoft.com/office/drawing/2014/main" id="{72BD411C-0727-B75C-3492-D12EABDB56A3}"/>
               </a:ext>
             </a:extLst>
           </p:cNvPr>
@@ -166,7 +166,7 @@
           <p:cNvPr id="3" name="副标题 2">
             <a:extLst>
               <a:ext uri="{FF2B5EF4-FFF2-40B4-BE49-F238E27FC236}">
-                <a16:creationId xmlns:a16="http://schemas.microsoft.com/office/drawing/2014/main" id="{E9F809A9-ED69-289A-8942-9480D12282BC}"/>
+                <a16:creationId xmlns:a16="http://schemas.microsoft.com/office/drawing/2014/main" id="{0CA8BC59-EF11-7033-5D99-4C1FFC7314CC}"/>
               </a:ext>
             </a:extLst>
           </p:cNvPr>
@@ -236,7 +236,7 @@
           <p:cNvPr id="4" name="日期占位符 3">
             <a:extLst>
               <a:ext uri="{FF2B5EF4-FFF2-40B4-BE49-F238E27FC236}">
-                <a16:creationId xmlns:a16="http://schemas.microsoft.com/office/drawing/2014/main" id="{F4D928B7-CC5B-EBF4-853E-BC03515A9EA0}"/>
+                <a16:creationId xmlns:a16="http://schemas.microsoft.com/office/drawing/2014/main" id="{F51B5335-321A-C582-3F3B-8CFA9B437433}"/>
               </a:ext>
             </a:extLst>
           </p:cNvPr>
@@ -252,7 +252,7 @@
           <a:bodyPr/>
           <a:lstStyle/>
           <a:p>
-            <a:fld id="{A196CCFB-636B-4881-87DE-4BF03195985A}" type="datetimeFigureOut">
+            <a:fld id="{5539F201-27EF-4D0E-899D-5C06B62540A2}" type="datetimeFigureOut">
               <a:rPr lang="zh-CN" altLang="en-US" smtClean="0"/>
               <a:t>2024/3/10</a:t>
             </a:fld>
@@ -265,7 +265,7 @@
           <p:cNvPr id="5" name="页脚占位符 4">
             <a:extLst>
               <a:ext uri="{FF2B5EF4-FFF2-40B4-BE49-F238E27FC236}">
-                <a16:creationId xmlns:a16="http://schemas.microsoft.com/office/drawing/2014/main" id="{BC883AB7-2594-BAA3-E436-9CBEDD066854}"/>
+                <a16:creationId xmlns:a16="http://schemas.microsoft.com/office/drawing/2014/main" id="{515B83E2-2ECB-8FF6-07FA-CCF140B53A80}"/>
               </a:ext>
             </a:extLst>
           </p:cNvPr>
@@ -290,7 +290,7 @@
           <p:cNvPr id="6" name="灯片编号占位符 5">
             <a:extLst>
               <a:ext uri="{FF2B5EF4-FFF2-40B4-BE49-F238E27FC236}">
-                <a16:creationId xmlns:a16="http://schemas.microsoft.com/office/drawing/2014/main" id="{82DA0C7E-D86D-69BA-0491-9E46ED2C5A52}"/>
+                <a16:creationId xmlns:a16="http://schemas.microsoft.com/office/drawing/2014/main" id="{901B7CB2-E6CB-1945-0A59-6DAA90E5E9F2}"/>
               </a:ext>
             </a:extLst>
           </p:cNvPr>
@@ -306,7 +306,7 @@
           <a:bodyPr/>
           <a:lstStyle/>
           <a:p>
-            <a:fld id="{6F9A9163-2372-409D-A26E-8A5F59515A3C}" type="slidenum">
+            <a:fld id="{95112DFE-CCAD-4E9B-9EBA-0184245E76ED}" type="slidenum">
               <a:rPr lang="zh-CN" altLang="en-US" smtClean="0"/>
               <a:t>‹#›</a:t>
             </a:fld>
@@ -317,7 +317,7 @@
     </p:spTree>
     <p:extLst>
       <p:ext uri="{BB962C8B-B14F-4D97-AF65-F5344CB8AC3E}">
-        <p14:creationId xmlns:p14="http://schemas.microsoft.com/office/powerpoint/2010/main" val="2454700054"/>
+        <p14:creationId xmlns:p14="http://schemas.microsoft.com/office/powerpoint/2010/main" val="2536953223"/>
       </p:ext>
     </p:extLst>
   </p:cSld>
@@ -349,7 +349,7 @@
           <p:cNvPr id="2" name="标题 1">
             <a:extLst>
               <a:ext uri="{FF2B5EF4-FFF2-40B4-BE49-F238E27FC236}">
-                <a16:creationId xmlns:a16="http://schemas.microsoft.com/office/drawing/2014/main" id="{EEBEABAF-B614-9B0D-0720-0054D54FF735}"/>
+                <a16:creationId xmlns:a16="http://schemas.microsoft.com/office/drawing/2014/main" id="{4FE2CA80-2196-8417-8746-72F10F4BF358}"/>
               </a:ext>
             </a:extLst>
           </p:cNvPr>
@@ -377,7 +377,7 @@
           <p:cNvPr id="3" name="竖排文字占位符 2">
             <a:extLst>
               <a:ext uri="{FF2B5EF4-FFF2-40B4-BE49-F238E27FC236}">
-                <a16:creationId xmlns:a16="http://schemas.microsoft.com/office/drawing/2014/main" id="{8D9F2A00-BAC4-7737-2137-D82B480145DB}"/>
+                <a16:creationId xmlns:a16="http://schemas.microsoft.com/office/drawing/2014/main" id="{0CE93CDD-393B-959C-9A7A-0F7564050E96}"/>
               </a:ext>
             </a:extLst>
           </p:cNvPr>
@@ -434,7 +434,7 @@
           <p:cNvPr id="4" name="日期占位符 3">
             <a:extLst>
               <a:ext uri="{FF2B5EF4-FFF2-40B4-BE49-F238E27FC236}">
-                <a16:creationId xmlns:a16="http://schemas.microsoft.com/office/drawing/2014/main" id="{5C437DB0-4C08-566E-D2C1-08860669B595}"/>
+                <a16:creationId xmlns:a16="http://schemas.microsoft.com/office/drawing/2014/main" id="{36D0E422-DFB5-3F78-C79A-8F22AD14F38B}"/>
               </a:ext>
             </a:extLst>
           </p:cNvPr>
@@ -450,7 +450,7 @@
           <a:bodyPr/>
           <a:lstStyle/>
           <a:p>
-            <a:fld id="{A196CCFB-636B-4881-87DE-4BF03195985A}" type="datetimeFigureOut">
+            <a:fld id="{5539F201-27EF-4D0E-899D-5C06B62540A2}" type="datetimeFigureOut">
               <a:rPr lang="zh-CN" altLang="en-US" smtClean="0"/>
               <a:t>2024/3/10</a:t>
             </a:fld>
@@ -463,7 +463,7 @@
           <p:cNvPr id="5" name="页脚占位符 4">
             <a:extLst>
               <a:ext uri="{FF2B5EF4-FFF2-40B4-BE49-F238E27FC236}">
-                <a16:creationId xmlns:a16="http://schemas.microsoft.com/office/drawing/2014/main" id="{6E5D3CE4-17C0-CDF8-68DD-DAB1BE1BDA3F}"/>
+                <a16:creationId xmlns:a16="http://schemas.microsoft.com/office/drawing/2014/main" id="{9CABEA42-466B-72BB-7007-34291AD806E7}"/>
               </a:ext>
             </a:extLst>
           </p:cNvPr>
@@ -488,7 +488,7 @@
           <p:cNvPr id="6" name="灯片编号占位符 5">
             <a:extLst>
               <a:ext uri="{FF2B5EF4-FFF2-40B4-BE49-F238E27FC236}">
-                <a16:creationId xmlns:a16="http://schemas.microsoft.com/office/drawing/2014/main" id="{DE097BBE-F07E-FFA0-EE97-FE525B823E73}"/>
+                <a16:creationId xmlns:a16="http://schemas.microsoft.com/office/drawing/2014/main" id="{BB3381AE-1230-0F83-7797-3D2A87EC4410}"/>
               </a:ext>
             </a:extLst>
           </p:cNvPr>
@@ -504,7 +504,7 @@
           <a:bodyPr/>
           <a:lstStyle/>
           <a:p>
-            <a:fld id="{6F9A9163-2372-409D-A26E-8A5F59515A3C}" type="slidenum">
+            <a:fld id="{95112DFE-CCAD-4E9B-9EBA-0184245E76ED}" type="slidenum">
               <a:rPr lang="zh-CN" altLang="en-US" smtClean="0"/>
               <a:t>‹#›</a:t>
             </a:fld>
@@ -515,7 +515,7 @@
     </p:spTree>
     <p:extLst>
       <p:ext uri="{BB962C8B-B14F-4D97-AF65-F5344CB8AC3E}">
-        <p14:creationId xmlns:p14="http://schemas.microsoft.com/office/powerpoint/2010/main" val="3511524075"/>
+        <p14:creationId xmlns:p14="http://schemas.microsoft.com/office/powerpoint/2010/main" val="1785055501"/>
       </p:ext>
     </p:extLst>
   </p:cSld>
@@ -547,7 +547,7 @@
           <p:cNvPr id="2" name="竖排标题 1">
             <a:extLst>
               <a:ext uri="{FF2B5EF4-FFF2-40B4-BE49-F238E27FC236}">
-                <a16:creationId xmlns:a16="http://schemas.microsoft.com/office/drawing/2014/main" id="{45428BE9-5B96-A441-1389-2A2FB098EC89}"/>
+                <a16:creationId xmlns:a16="http://schemas.microsoft.com/office/drawing/2014/main" id="{313F5BC6-51E8-40DC-7D8B-2F78173C9269}"/>
               </a:ext>
             </a:extLst>
           </p:cNvPr>
@@ -580,7 +580,7 @@
           <p:cNvPr id="3" name="竖排文字占位符 2">
             <a:extLst>
               <a:ext uri="{FF2B5EF4-FFF2-40B4-BE49-F238E27FC236}">
-                <a16:creationId xmlns:a16="http://schemas.microsoft.com/office/drawing/2014/main" id="{D00C1800-3611-9660-F9E4-9FD21386D3FC}"/>
+                <a16:creationId xmlns:a16="http://schemas.microsoft.com/office/drawing/2014/main" id="{88ED8825-969C-70F5-2772-B2D8F3D25E56}"/>
               </a:ext>
             </a:extLst>
           </p:cNvPr>
@@ -642,7 +642,7 @@
           <p:cNvPr id="4" name="日期占位符 3">
             <a:extLst>
               <a:ext uri="{FF2B5EF4-FFF2-40B4-BE49-F238E27FC236}">
-                <a16:creationId xmlns:a16="http://schemas.microsoft.com/office/drawing/2014/main" id="{E2404525-06C3-4759-CB40-42E9983F1CE8}"/>
+                <a16:creationId xmlns:a16="http://schemas.microsoft.com/office/drawing/2014/main" id="{5E5728EC-F5DD-5AB9-DFB5-051551C63F64}"/>
               </a:ext>
             </a:extLst>
           </p:cNvPr>
@@ -658,7 +658,7 @@
           <a:bodyPr/>
           <a:lstStyle/>
           <a:p>
-            <a:fld id="{A196CCFB-636B-4881-87DE-4BF03195985A}" type="datetimeFigureOut">
+            <a:fld id="{5539F201-27EF-4D0E-899D-5C06B62540A2}" type="datetimeFigureOut">
               <a:rPr lang="zh-CN" altLang="en-US" smtClean="0"/>
               <a:t>2024/3/10</a:t>
             </a:fld>
@@ -671,7 +671,7 @@
           <p:cNvPr id="5" name="页脚占位符 4">
             <a:extLst>
               <a:ext uri="{FF2B5EF4-FFF2-40B4-BE49-F238E27FC236}">
-                <a16:creationId xmlns:a16="http://schemas.microsoft.com/office/drawing/2014/main" id="{7C4339E3-A752-7406-3719-018221A9B2BE}"/>
+                <a16:creationId xmlns:a16="http://schemas.microsoft.com/office/drawing/2014/main" id="{DB1BD174-ED86-8322-576F-57E44E2843DD}"/>
               </a:ext>
             </a:extLst>
           </p:cNvPr>
@@ -696,7 +696,7 @@
           <p:cNvPr id="6" name="灯片编号占位符 5">
             <a:extLst>
               <a:ext uri="{FF2B5EF4-FFF2-40B4-BE49-F238E27FC236}">
-                <a16:creationId xmlns:a16="http://schemas.microsoft.com/office/drawing/2014/main" id="{A0DDD7C3-95EF-0B06-F6B4-C04FCFDD4CD6}"/>
+                <a16:creationId xmlns:a16="http://schemas.microsoft.com/office/drawing/2014/main" id="{11188131-913F-CFF8-A0E4-64F9D7F75859}"/>
               </a:ext>
             </a:extLst>
           </p:cNvPr>
@@ -712,7 +712,7 @@
           <a:bodyPr/>
           <a:lstStyle/>
           <a:p>
-            <a:fld id="{6F9A9163-2372-409D-A26E-8A5F59515A3C}" type="slidenum">
+            <a:fld id="{95112DFE-CCAD-4E9B-9EBA-0184245E76ED}" type="slidenum">
               <a:rPr lang="zh-CN" altLang="en-US" smtClean="0"/>
               <a:t>‹#›</a:t>
             </a:fld>
@@ -723,7 +723,7 @@
     </p:spTree>
     <p:extLst>
       <p:ext uri="{BB962C8B-B14F-4D97-AF65-F5344CB8AC3E}">
-        <p14:creationId xmlns:p14="http://schemas.microsoft.com/office/powerpoint/2010/main" val="1209126734"/>
+        <p14:creationId xmlns:p14="http://schemas.microsoft.com/office/powerpoint/2010/main" val="3645307453"/>
       </p:ext>
     </p:extLst>
   </p:cSld>
@@ -755,7 +755,7 @@
           <p:cNvPr id="2" name="标题 1">
             <a:extLst>
               <a:ext uri="{FF2B5EF4-FFF2-40B4-BE49-F238E27FC236}">
-                <a16:creationId xmlns:a16="http://schemas.microsoft.com/office/drawing/2014/main" id="{7631DB35-21C9-8B7A-99AA-5927FB68436A}"/>
+                <a16:creationId xmlns:a16="http://schemas.microsoft.com/office/drawing/2014/main" id="{6730C96D-3086-06BE-098D-5DC7BF4DB0A6}"/>
               </a:ext>
             </a:extLst>
           </p:cNvPr>
@@ -783,7 +783,7 @@
           <p:cNvPr id="3" name="内容占位符 2">
             <a:extLst>
               <a:ext uri="{FF2B5EF4-FFF2-40B4-BE49-F238E27FC236}">
-                <a16:creationId xmlns:a16="http://schemas.microsoft.com/office/drawing/2014/main" id="{1B0591C2-F8B3-1BBB-D3AE-15AB049A48D3}"/>
+                <a16:creationId xmlns:a16="http://schemas.microsoft.com/office/drawing/2014/main" id="{2C19EBA4-E2AB-06FF-FE93-E6D2C8CEB3C0}"/>
               </a:ext>
             </a:extLst>
           </p:cNvPr>
@@ -840,7 +840,7 @@
           <p:cNvPr id="4" name="日期占位符 3">
             <a:extLst>
               <a:ext uri="{FF2B5EF4-FFF2-40B4-BE49-F238E27FC236}">
-                <a16:creationId xmlns:a16="http://schemas.microsoft.com/office/drawing/2014/main" id="{25520088-C4EE-99BC-8FA7-7EFF0F2B0D5E}"/>
+                <a16:creationId xmlns:a16="http://schemas.microsoft.com/office/drawing/2014/main" id="{4047C8E0-8DE9-0E64-361C-8D97E39F07FD}"/>
               </a:ext>
             </a:extLst>
           </p:cNvPr>
@@ -856,7 +856,7 @@
           <a:bodyPr/>
           <a:lstStyle/>
           <a:p>
-            <a:fld id="{A196CCFB-636B-4881-87DE-4BF03195985A}" type="datetimeFigureOut">
+            <a:fld id="{5539F201-27EF-4D0E-899D-5C06B62540A2}" type="datetimeFigureOut">
               <a:rPr lang="zh-CN" altLang="en-US" smtClean="0"/>
               <a:t>2024/3/10</a:t>
             </a:fld>
@@ -869,7 +869,7 @@
           <p:cNvPr id="5" name="页脚占位符 4">
             <a:extLst>
               <a:ext uri="{FF2B5EF4-FFF2-40B4-BE49-F238E27FC236}">
-                <a16:creationId xmlns:a16="http://schemas.microsoft.com/office/drawing/2014/main" id="{DDE56ECC-D6F2-9A9F-4C37-94E76DC4D6DE}"/>
+                <a16:creationId xmlns:a16="http://schemas.microsoft.com/office/drawing/2014/main" id="{904BE55C-491B-AEB0-E7E9-980665C2B414}"/>
               </a:ext>
             </a:extLst>
           </p:cNvPr>
@@ -894,7 +894,7 @@
           <p:cNvPr id="6" name="灯片编号占位符 5">
             <a:extLst>
               <a:ext uri="{FF2B5EF4-FFF2-40B4-BE49-F238E27FC236}">
-                <a16:creationId xmlns:a16="http://schemas.microsoft.com/office/drawing/2014/main" id="{81A8E038-D176-81B0-A09D-F50B4CFDF46E}"/>
+                <a16:creationId xmlns:a16="http://schemas.microsoft.com/office/drawing/2014/main" id="{11EFBF2F-BC40-6DC3-08A0-7A3BD05BF61B}"/>
               </a:ext>
             </a:extLst>
           </p:cNvPr>
@@ -910,7 +910,7 @@
           <a:bodyPr/>
           <a:lstStyle/>
           <a:p>
-            <a:fld id="{6F9A9163-2372-409D-A26E-8A5F59515A3C}" type="slidenum">
+            <a:fld id="{95112DFE-CCAD-4E9B-9EBA-0184245E76ED}" type="slidenum">
               <a:rPr lang="zh-CN" altLang="en-US" smtClean="0"/>
               <a:t>‹#›</a:t>
             </a:fld>
@@ -921,7 +921,7 @@
     </p:spTree>
     <p:extLst>
       <p:ext uri="{BB962C8B-B14F-4D97-AF65-F5344CB8AC3E}">
-        <p14:creationId xmlns:p14="http://schemas.microsoft.com/office/powerpoint/2010/main" val="939890848"/>
+        <p14:creationId xmlns:p14="http://schemas.microsoft.com/office/powerpoint/2010/main" val="3073943339"/>
       </p:ext>
     </p:extLst>
   </p:cSld>
@@ -953,7 +953,7 @@
           <p:cNvPr id="2" name="标题 1">
             <a:extLst>
               <a:ext uri="{FF2B5EF4-FFF2-40B4-BE49-F238E27FC236}">
-                <a16:creationId xmlns:a16="http://schemas.microsoft.com/office/drawing/2014/main" id="{47B34416-3EF2-BB5F-AA0C-554D0B1E7FAE}"/>
+                <a16:creationId xmlns:a16="http://schemas.microsoft.com/office/drawing/2014/main" id="{A6680DEA-7F85-7C50-0569-22CDAB9032D6}"/>
               </a:ext>
             </a:extLst>
           </p:cNvPr>
@@ -990,7 +990,7 @@
           <p:cNvPr id="3" name="文本占位符 2">
             <a:extLst>
               <a:ext uri="{FF2B5EF4-FFF2-40B4-BE49-F238E27FC236}">
-                <a16:creationId xmlns:a16="http://schemas.microsoft.com/office/drawing/2014/main" id="{0A656F06-EE6F-6241-310F-0EE9EA2A50F5}"/>
+                <a16:creationId xmlns:a16="http://schemas.microsoft.com/office/drawing/2014/main" id="{AF0C7BCC-AE9F-1E7C-BDAE-6261FA0793D6}"/>
               </a:ext>
             </a:extLst>
           </p:cNvPr>
@@ -1115,7 +1115,7 @@
           <p:cNvPr id="4" name="日期占位符 3">
             <a:extLst>
               <a:ext uri="{FF2B5EF4-FFF2-40B4-BE49-F238E27FC236}">
-                <a16:creationId xmlns:a16="http://schemas.microsoft.com/office/drawing/2014/main" id="{678375AD-3BC6-9DE4-F764-2919AF29522F}"/>
+                <a16:creationId xmlns:a16="http://schemas.microsoft.com/office/drawing/2014/main" id="{F6F75550-C455-6136-A85D-1D9755FB12EE}"/>
               </a:ext>
             </a:extLst>
           </p:cNvPr>
@@ -1131,7 +1131,7 @@
           <a:bodyPr/>
           <a:lstStyle/>
           <a:p>
-            <a:fld id="{A196CCFB-636B-4881-87DE-4BF03195985A}" type="datetimeFigureOut">
+            <a:fld id="{5539F201-27EF-4D0E-899D-5C06B62540A2}" type="datetimeFigureOut">
               <a:rPr lang="zh-CN" altLang="en-US" smtClean="0"/>
               <a:t>2024/3/10</a:t>
             </a:fld>
@@ -1144,7 +1144,7 @@
           <p:cNvPr id="5" name="页脚占位符 4">
             <a:extLst>
               <a:ext uri="{FF2B5EF4-FFF2-40B4-BE49-F238E27FC236}">
-                <a16:creationId xmlns:a16="http://schemas.microsoft.com/office/drawing/2014/main" id="{166A7173-B265-5F0B-39E8-CDF32739F603}"/>
+                <a16:creationId xmlns:a16="http://schemas.microsoft.com/office/drawing/2014/main" id="{564F7C36-0D18-0699-DA4B-BB398D5FA450}"/>
               </a:ext>
             </a:extLst>
           </p:cNvPr>
@@ -1169,7 +1169,7 @@
           <p:cNvPr id="6" name="灯片编号占位符 5">
             <a:extLst>
               <a:ext uri="{FF2B5EF4-FFF2-40B4-BE49-F238E27FC236}">
-                <a16:creationId xmlns:a16="http://schemas.microsoft.com/office/drawing/2014/main" id="{CE3F65AE-901C-6FE2-3E2A-2FD7BBBC4DF9}"/>
+                <a16:creationId xmlns:a16="http://schemas.microsoft.com/office/drawing/2014/main" id="{24010E35-E5D7-B46E-F288-008DA8CEA465}"/>
               </a:ext>
             </a:extLst>
           </p:cNvPr>
@@ -1185,7 +1185,7 @@
           <a:bodyPr/>
           <a:lstStyle/>
           <a:p>
-            <a:fld id="{6F9A9163-2372-409D-A26E-8A5F59515A3C}" type="slidenum">
+            <a:fld id="{95112DFE-CCAD-4E9B-9EBA-0184245E76ED}" type="slidenum">
               <a:rPr lang="zh-CN" altLang="en-US" smtClean="0"/>
               <a:t>‹#›</a:t>
             </a:fld>
@@ -1196,7 +1196,7 @@
     </p:spTree>
     <p:extLst>
       <p:ext uri="{BB962C8B-B14F-4D97-AF65-F5344CB8AC3E}">
-        <p14:creationId xmlns:p14="http://schemas.microsoft.com/office/powerpoint/2010/main" val="627055096"/>
+        <p14:creationId xmlns:p14="http://schemas.microsoft.com/office/powerpoint/2010/main" val="3007345905"/>
       </p:ext>
     </p:extLst>
   </p:cSld>
@@ -1228,7 +1228,7 @@
           <p:cNvPr id="2" name="标题 1">
             <a:extLst>
               <a:ext uri="{FF2B5EF4-FFF2-40B4-BE49-F238E27FC236}">
-                <a16:creationId xmlns:a16="http://schemas.microsoft.com/office/drawing/2014/main" id="{106C7C1D-5A95-CEDF-BEA3-B63CAAA1D650}"/>
+                <a16:creationId xmlns:a16="http://schemas.microsoft.com/office/drawing/2014/main" id="{7A97CCDF-1FE2-558C-C0EA-32D410EBD00E}"/>
               </a:ext>
             </a:extLst>
           </p:cNvPr>
@@ -1256,7 +1256,7 @@
           <p:cNvPr id="3" name="内容占位符 2">
             <a:extLst>
               <a:ext uri="{FF2B5EF4-FFF2-40B4-BE49-F238E27FC236}">
-                <a16:creationId xmlns:a16="http://schemas.microsoft.com/office/drawing/2014/main" id="{2ED05E5C-C1B6-F21D-853D-50DF8066332E}"/>
+                <a16:creationId xmlns:a16="http://schemas.microsoft.com/office/drawing/2014/main" id="{AEEC7BC3-B2EE-A6AA-1F2A-0ED6B5D3F656}"/>
               </a:ext>
             </a:extLst>
           </p:cNvPr>
@@ -1318,7 +1318,7 @@
           <p:cNvPr id="4" name="内容占位符 3">
             <a:extLst>
               <a:ext uri="{FF2B5EF4-FFF2-40B4-BE49-F238E27FC236}">
-                <a16:creationId xmlns:a16="http://schemas.microsoft.com/office/drawing/2014/main" id="{F18016C4-6963-E1E1-AB9E-3AECFE244946}"/>
+                <a16:creationId xmlns:a16="http://schemas.microsoft.com/office/drawing/2014/main" id="{A06D2E30-9D59-0866-CD63-489B56696358}"/>
               </a:ext>
             </a:extLst>
           </p:cNvPr>
@@ -1380,7 +1380,7 @@
           <p:cNvPr id="5" name="日期占位符 4">
             <a:extLst>
               <a:ext uri="{FF2B5EF4-FFF2-40B4-BE49-F238E27FC236}">
-                <a16:creationId xmlns:a16="http://schemas.microsoft.com/office/drawing/2014/main" id="{D8C35FCB-3A5D-5104-773C-63D17E9B51BF}"/>
+                <a16:creationId xmlns:a16="http://schemas.microsoft.com/office/drawing/2014/main" id="{1B2BD7B7-6681-6A17-3B53-A9223B5722F4}"/>
               </a:ext>
             </a:extLst>
           </p:cNvPr>
@@ -1396,7 +1396,7 @@
           <a:bodyPr/>
           <a:lstStyle/>
           <a:p>
-            <a:fld id="{A196CCFB-636B-4881-87DE-4BF03195985A}" type="datetimeFigureOut">
+            <a:fld id="{5539F201-27EF-4D0E-899D-5C06B62540A2}" type="datetimeFigureOut">
               <a:rPr lang="zh-CN" altLang="en-US" smtClean="0"/>
               <a:t>2024/3/10</a:t>
             </a:fld>
@@ -1409,7 +1409,7 @@
           <p:cNvPr id="6" name="页脚占位符 5">
             <a:extLst>
               <a:ext uri="{FF2B5EF4-FFF2-40B4-BE49-F238E27FC236}">
-                <a16:creationId xmlns:a16="http://schemas.microsoft.com/office/drawing/2014/main" id="{0FF33633-4396-FC85-C467-0444DA3BAFCA}"/>
+                <a16:creationId xmlns:a16="http://schemas.microsoft.com/office/drawing/2014/main" id="{01E05408-D6AA-A103-EC89-6527B2AC0006}"/>
               </a:ext>
             </a:extLst>
           </p:cNvPr>
@@ -1434,7 +1434,7 @@
           <p:cNvPr id="7" name="灯片编号占位符 6">
             <a:extLst>
               <a:ext uri="{FF2B5EF4-FFF2-40B4-BE49-F238E27FC236}">
-                <a16:creationId xmlns:a16="http://schemas.microsoft.com/office/drawing/2014/main" id="{C8329353-0402-8541-68B5-A9E07E8DA130}"/>
+                <a16:creationId xmlns:a16="http://schemas.microsoft.com/office/drawing/2014/main" id="{111B4996-11E4-5E34-39FF-6F6F8B3F9EE2}"/>
               </a:ext>
             </a:extLst>
           </p:cNvPr>
@@ -1450,7 +1450,7 @@
           <a:bodyPr/>
           <a:lstStyle/>
           <a:p>
-            <a:fld id="{6F9A9163-2372-409D-A26E-8A5F59515A3C}" type="slidenum">
+            <a:fld id="{95112DFE-CCAD-4E9B-9EBA-0184245E76ED}" type="slidenum">
               <a:rPr lang="zh-CN" altLang="en-US" smtClean="0"/>
               <a:t>‹#›</a:t>
             </a:fld>
@@ -1461,7 +1461,7 @@
     </p:spTree>
     <p:extLst>
       <p:ext uri="{BB962C8B-B14F-4D97-AF65-F5344CB8AC3E}">
-        <p14:creationId xmlns:p14="http://schemas.microsoft.com/office/powerpoint/2010/main" val="533145777"/>
+        <p14:creationId xmlns:p14="http://schemas.microsoft.com/office/powerpoint/2010/main" val="3020629669"/>
       </p:ext>
     </p:extLst>
   </p:cSld>
@@ -1493,7 +1493,7 @@
           <p:cNvPr id="2" name="标题 1">
             <a:extLst>
               <a:ext uri="{FF2B5EF4-FFF2-40B4-BE49-F238E27FC236}">
-                <a16:creationId xmlns:a16="http://schemas.microsoft.com/office/drawing/2014/main" id="{E40789DC-B03C-A52C-1978-97DCDA40A422}"/>
+                <a16:creationId xmlns:a16="http://schemas.microsoft.com/office/drawing/2014/main" id="{271DA92B-31B8-71D8-E144-9D17A6E601C5}"/>
               </a:ext>
             </a:extLst>
           </p:cNvPr>
@@ -1526,7 +1526,7 @@
           <p:cNvPr id="3" name="文本占位符 2">
             <a:extLst>
               <a:ext uri="{FF2B5EF4-FFF2-40B4-BE49-F238E27FC236}">
-                <a16:creationId xmlns:a16="http://schemas.microsoft.com/office/drawing/2014/main" id="{B343C11F-6F29-D393-E538-61A615D552E4}"/>
+                <a16:creationId xmlns:a16="http://schemas.microsoft.com/office/drawing/2014/main" id="{5B5F1927-1EF5-7A67-8493-3E5A627730CA}"/>
               </a:ext>
             </a:extLst>
           </p:cNvPr>
@@ -1597,7 +1597,7 @@
           <p:cNvPr id="4" name="内容占位符 3">
             <a:extLst>
               <a:ext uri="{FF2B5EF4-FFF2-40B4-BE49-F238E27FC236}">
-                <a16:creationId xmlns:a16="http://schemas.microsoft.com/office/drawing/2014/main" id="{6E256615-B021-18A1-4510-A8A0FA298FFF}"/>
+                <a16:creationId xmlns:a16="http://schemas.microsoft.com/office/drawing/2014/main" id="{51E64D4B-160F-A3F6-39B7-4729E4643E74}"/>
               </a:ext>
             </a:extLst>
           </p:cNvPr>
@@ -1659,7 +1659,7 @@
           <p:cNvPr id="5" name="文本占位符 4">
             <a:extLst>
               <a:ext uri="{FF2B5EF4-FFF2-40B4-BE49-F238E27FC236}">
-                <a16:creationId xmlns:a16="http://schemas.microsoft.com/office/drawing/2014/main" id="{C99D06AD-5305-8E7A-8C4F-E7BE854862BA}"/>
+                <a16:creationId xmlns:a16="http://schemas.microsoft.com/office/drawing/2014/main" id="{F4C1D1C7-741B-5B3B-4C52-8BCB35A92327}"/>
               </a:ext>
             </a:extLst>
           </p:cNvPr>
@@ -1730,7 +1730,7 @@
           <p:cNvPr id="6" name="内容占位符 5">
             <a:extLst>
               <a:ext uri="{FF2B5EF4-FFF2-40B4-BE49-F238E27FC236}">
-                <a16:creationId xmlns:a16="http://schemas.microsoft.com/office/drawing/2014/main" id="{B7A45DB2-BA16-2FF6-B5FD-CF8A21F755F4}"/>
+                <a16:creationId xmlns:a16="http://schemas.microsoft.com/office/drawing/2014/main" id="{5381E258-4573-4147-41F3-8F1DA72B968D}"/>
               </a:ext>
             </a:extLst>
           </p:cNvPr>
@@ -1792,7 +1792,7 @@
           <p:cNvPr id="7" name="日期占位符 6">
             <a:extLst>
               <a:ext uri="{FF2B5EF4-FFF2-40B4-BE49-F238E27FC236}">
-                <a16:creationId xmlns:a16="http://schemas.microsoft.com/office/drawing/2014/main" id="{16E26652-7264-550F-4ACB-212B5620A900}"/>
+                <a16:creationId xmlns:a16="http://schemas.microsoft.com/office/drawing/2014/main" id="{A9A428F1-EB2F-8DE1-C881-7640B93D94F9}"/>
               </a:ext>
             </a:extLst>
           </p:cNvPr>
@@ -1808,7 +1808,7 @@
           <a:bodyPr/>
           <a:lstStyle/>
           <a:p>
-            <a:fld id="{A196CCFB-636B-4881-87DE-4BF03195985A}" type="datetimeFigureOut">
+            <a:fld id="{5539F201-27EF-4D0E-899D-5C06B62540A2}" type="datetimeFigureOut">
               <a:rPr lang="zh-CN" altLang="en-US" smtClean="0"/>
               <a:t>2024/3/10</a:t>
             </a:fld>
@@ -1821,7 +1821,7 @@
           <p:cNvPr id="8" name="页脚占位符 7">
             <a:extLst>
               <a:ext uri="{FF2B5EF4-FFF2-40B4-BE49-F238E27FC236}">
-                <a16:creationId xmlns:a16="http://schemas.microsoft.com/office/drawing/2014/main" id="{1CF40E6D-88B6-053A-686F-0DE80181C3B9}"/>
+                <a16:creationId xmlns:a16="http://schemas.microsoft.com/office/drawing/2014/main" id="{934A3861-45BF-A386-2DC1-575167B1AA35}"/>
               </a:ext>
             </a:extLst>
           </p:cNvPr>
@@ -1846,7 +1846,7 @@
           <p:cNvPr id="9" name="灯片编号占位符 8">
             <a:extLst>
               <a:ext uri="{FF2B5EF4-FFF2-40B4-BE49-F238E27FC236}">
-                <a16:creationId xmlns:a16="http://schemas.microsoft.com/office/drawing/2014/main" id="{DCD7D0E8-B81B-2B1A-E429-4BA9A579619E}"/>
+                <a16:creationId xmlns:a16="http://schemas.microsoft.com/office/drawing/2014/main" id="{07C82416-B36A-76FE-5CA3-8FCC7993A4DB}"/>
               </a:ext>
             </a:extLst>
           </p:cNvPr>
@@ -1862,7 +1862,7 @@
           <a:bodyPr/>
           <a:lstStyle/>
           <a:p>
-            <a:fld id="{6F9A9163-2372-409D-A26E-8A5F59515A3C}" type="slidenum">
+            <a:fld id="{95112DFE-CCAD-4E9B-9EBA-0184245E76ED}" type="slidenum">
               <a:rPr lang="zh-CN" altLang="en-US" smtClean="0"/>
               <a:t>‹#›</a:t>
             </a:fld>
@@ -1873,7 +1873,7 @@
     </p:spTree>
     <p:extLst>
       <p:ext uri="{BB962C8B-B14F-4D97-AF65-F5344CB8AC3E}">
-        <p14:creationId xmlns:p14="http://schemas.microsoft.com/office/powerpoint/2010/main" val="2592688921"/>
+        <p14:creationId xmlns:p14="http://schemas.microsoft.com/office/powerpoint/2010/main" val="1414149467"/>
       </p:ext>
     </p:extLst>
   </p:cSld>
@@ -1905,7 +1905,7 @@
           <p:cNvPr id="2" name="标题 1">
             <a:extLst>
               <a:ext uri="{FF2B5EF4-FFF2-40B4-BE49-F238E27FC236}">
-                <a16:creationId xmlns:a16="http://schemas.microsoft.com/office/drawing/2014/main" id="{DB987783-A1C6-617E-A6FE-980C348152B5}"/>
+                <a16:creationId xmlns:a16="http://schemas.microsoft.com/office/drawing/2014/main" id="{9D6E1E38-3A7E-4439-7C01-F72C423F571A}"/>
               </a:ext>
             </a:extLst>
           </p:cNvPr>
@@ -1933,7 +1933,7 @@
           <p:cNvPr id="3" name="日期占位符 2">
             <a:extLst>
               <a:ext uri="{FF2B5EF4-FFF2-40B4-BE49-F238E27FC236}">
-                <a16:creationId xmlns:a16="http://schemas.microsoft.com/office/drawing/2014/main" id="{E537AB53-0C2B-F7BD-D820-E4AE1428A1AC}"/>
+                <a16:creationId xmlns:a16="http://schemas.microsoft.com/office/drawing/2014/main" id="{CD7B4D10-E9B4-4616-4B01-51C62E5E75BB}"/>
               </a:ext>
             </a:extLst>
           </p:cNvPr>
@@ -1949,7 +1949,7 @@
           <a:bodyPr/>
           <a:lstStyle/>
           <a:p>
-            <a:fld id="{A196CCFB-636B-4881-87DE-4BF03195985A}" type="datetimeFigureOut">
+            <a:fld id="{5539F201-27EF-4D0E-899D-5C06B62540A2}" type="datetimeFigureOut">
               <a:rPr lang="zh-CN" altLang="en-US" smtClean="0"/>
               <a:t>2024/3/10</a:t>
             </a:fld>
@@ -1962,7 +1962,7 @@
           <p:cNvPr id="4" name="页脚占位符 3">
             <a:extLst>
               <a:ext uri="{FF2B5EF4-FFF2-40B4-BE49-F238E27FC236}">
-                <a16:creationId xmlns:a16="http://schemas.microsoft.com/office/drawing/2014/main" id="{2528574E-77E3-32F2-BDD8-180247181CF0}"/>
+                <a16:creationId xmlns:a16="http://schemas.microsoft.com/office/drawing/2014/main" id="{FBC7C142-AF97-A91B-7C49-F18CFCFD4880}"/>
               </a:ext>
             </a:extLst>
           </p:cNvPr>
@@ -1987,7 +1987,7 @@
           <p:cNvPr id="5" name="灯片编号占位符 4">
             <a:extLst>
               <a:ext uri="{FF2B5EF4-FFF2-40B4-BE49-F238E27FC236}">
-                <a16:creationId xmlns:a16="http://schemas.microsoft.com/office/drawing/2014/main" id="{6D500FD0-C255-CDB2-5759-FE8C50D75D9B}"/>
+                <a16:creationId xmlns:a16="http://schemas.microsoft.com/office/drawing/2014/main" id="{FC620C9C-0C5F-8308-07AA-C40CA0A4699D}"/>
               </a:ext>
             </a:extLst>
           </p:cNvPr>
@@ -2003,7 +2003,7 @@
           <a:bodyPr/>
           <a:lstStyle/>
           <a:p>
-            <a:fld id="{6F9A9163-2372-409D-A26E-8A5F59515A3C}" type="slidenum">
+            <a:fld id="{95112DFE-CCAD-4E9B-9EBA-0184245E76ED}" type="slidenum">
               <a:rPr lang="zh-CN" altLang="en-US" smtClean="0"/>
               <a:t>‹#›</a:t>
             </a:fld>
@@ -2014,7 +2014,7 @@
     </p:spTree>
     <p:extLst>
       <p:ext uri="{BB962C8B-B14F-4D97-AF65-F5344CB8AC3E}">
-        <p14:creationId xmlns:p14="http://schemas.microsoft.com/office/powerpoint/2010/main" val="3355413243"/>
+        <p14:creationId xmlns:p14="http://schemas.microsoft.com/office/powerpoint/2010/main" val="3172854936"/>
       </p:ext>
     </p:extLst>
   </p:cSld>
@@ -2046,7 +2046,7 @@
           <p:cNvPr id="2" name="日期占位符 1">
             <a:extLst>
               <a:ext uri="{FF2B5EF4-FFF2-40B4-BE49-F238E27FC236}">
-                <a16:creationId xmlns:a16="http://schemas.microsoft.com/office/drawing/2014/main" id="{B3570A7D-342E-C60C-6A3A-8A6C1AE099EF}"/>
+                <a16:creationId xmlns:a16="http://schemas.microsoft.com/office/drawing/2014/main" id="{1A73855E-D07E-E3EF-800F-4F5CC6655811}"/>
               </a:ext>
             </a:extLst>
           </p:cNvPr>
@@ -2062,7 +2062,7 @@
           <a:bodyPr/>
           <a:lstStyle/>
           <a:p>
-            <a:fld id="{A196CCFB-636B-4881-87DE-4BF03195985A}" type="datetimeFigureOut">
+            <a:fld id="{5539F201-27EF-4D0E-899D-5C06B62540A2}" type="datetimeFigureOut">
               <a:rPr lang="zh-CN" altLang="en-US" smtClean="0"/>
               <a:t>2024/3/10</a:t>
             </a:fld>
@@ -2075,7 +2075,7 @@
           <p:cNvPr id="3" name="页脚占位符 2">
             <a:extLst>
               <a:ext uri="{FF2B5EF4-FFF2-40B4-BE49-F238E27FC236}">
-                <a16:creationId xmlns:a16="http://schemas.microsoft.com/office/drawing/2014/main" id="{2ECA6613-9866-6771-3159-8BAAA775138E}"/>
+                <a16:creationId xmlns:a16="http://schemas.microsoft.com/office/drawing/2014/main" id="{68A29FEC-DB6D-30C1-AC96-1E409FEA63A5}"/>
               </a:ext>
             </a:extLst>
           </p:cNvPr>
@@ -2100,7 +2100,7 @@
           <p:cNvPr id="4" name="灯片编号占位符 3">
             <a:extLst>
               <a:ext uri="{FF2B5EF4-FFF2-40B4-BE49-F238E27FC236}">
-                <a16:creationId xmlns:a16="http://schemas.microsoft.com/office/drawing/2014/main" id="{98832844-65AD-1884-D338-4495869CC6EC}"/>
+                <a16:creationId xmlns:a16="http://schemas.microsoft.com/office/drawing/2014/main" id="{447E7D7A-DD1E-7FE8-8398-943205829680}"/>
               </a:ext>
             </a:extLst>
           </p:cNvPr>
@@ -2116,7 +2116,7 @@
           <a:bodyPr/>
           <a:lstStyle/>
           <a:p>
-            <a:fld id="{6F9A9163-2372-409D-A26E-8A5F59515A3C}" type="slidenum">
+            <a:fld id="{95112DFE-CCAD-4E9B-9EBA-0184245E76ED}" type="slidenum">
               <a:rPr lang="zh-CN" altLang="en-US" smtClean="0"/>
               <a:t>‹#›</a:t>
             </a:fld>
@@ -2127,7 +2127,7 @@
     </p:spTree>
     <p:extLst>
       <p:ext uri="{BB962C8B-B14F-4D97-AF65-F5344CB8AC3E}">
-        <p14:creationId xmlns:p14="http://schemas.microsoft.com/office/powerpoint/2010/main" val="2527173908"/>
+        <p14:creationId xmlns:p14="http://schemas.microsoft.com/office/powerpoint/2010/main" val="1379119421"/>
       </p:ext>
     </p:extLst>
   </p:cSld>
@@ -2159,7 +2159,7 @@
           <p:cNvPr id="2" name="标题 1">
             <a:extLst>
               <a:ext uri="{FF2B5EF4-FFF2-40B4-BE49-F238E27FC236}">
-                <a16:creationId xmlns:a16="http://schemas.microsoft.com/office/drawing/2014/main" id="{C50DEF2C-73C1-B3A9-AEC0-8F0013C698AB}"/>
+                <a16:creationId xmlns:a16="http://schemas.microsoft.com/office/drawing/2014/main" id="{2EC11CC9-1E2A-3762-E71E-33FA2BCDBFA1}"/>
               </a:ext>
             </a:extLst>
           </p:cNvPr>
@@ -2196,7 +2196,7 @@
           <p:cNvPr id="3" name="内容占位符 2">
             <a:extLst>
               <a:ext uri="{FF2B5EF4-FFF2-40B4-BE49-F238E27FC236}">
-                <a16:creationId xmlns:a16="http://schemas.microsoft.com/office/drawing/2014/main" id="{348E2104-DF6A-82E4-B23E-C866D515C867}"/>
+                <a16:creationId xmlns:a16="http://schemas.microsoft.com/office/drawing/2014/main" id="{21A71875-9D00-3100-6384-E8AAF8F325BE}"/>
               </a:ext>
             </a:extLst>
           </p:cNvPr>
@@ -2286,7 +2286,7 @@
           <p:cNvPr id="4" name="文本占位符 3">
             <a:extLst>
               <a:ext uri="{FF2B5EF4-FFF2-40B4-BE49-F238E27FC236}">
-                <a16:creationId xmlns:a16="http://schemas.microsoft.com/office/drawing/2014/main" id="{94CDECCB-203C-CF07-4C1C-5A9C52C97660}"/>
+                <a16:creationId xmlns:a16="http://schemas.microsoft.com/office/drawing/2014/main" id="{9DD3F729-0F2E-3286-DBF9-EC37FABF5208}"/>
               </a:ext>
             </a:extLst>
           </p:cNvPr>
@@ -2357,7 +2357,7 @@
           <p:cNvPr id="5" name="日期占位符 4">
             <a:extLst>
               <a:ext uri="{FF2B5EF4-FFF2-40B4-BE49-F238E27FC236}">
-                <a16:creationId xmlns:a16="http://schemas.microsoft.com/office/drawing/2014/main" id="{785B1912-7FAC-770C-6A55-6088443B8A4B}"/>
+                <a16:creationId xmlns:a16="http://schemas.microsoft.com/office/drawing/2014/main" id="{8CCE3C55-1163-C780-23D1-293CD686396C}"/>
               </a:ext>
             </a:extLst>
           </p:cNvPr>
@@ -2373,7 +2373,7 @@
           <a:bodyPr/>
           <a:lstStyle/>
           <a:p>
-            <a:fld id="{A196CCFB-636B-4881-87DE-4BF03195985A}" type="datetimeFigureOut">
+            <a:fld id="{5539F201-27EF-4D0E-899D-5C06B62540A2}" type="datetimeFigureOut">
               <a:rPr lang="zh-CN" altLang="en-US" smtClean="0"/>
               <a:t>2024/3/10</a:t>
             </a:fld>
@@ -2386,7 +2386,7 @@
           <p:cNvPr id="6" name="页脚占位符 5">
             <a:extLst>
               <a:ext uri="{FF2B5EF4-FFF2-40B4-BE49-F238E27FC236}">
-                <a16:creationId xmlns:a16="http://schemas.microsoft.com/office/drawing/2014/main" id="{4E41E66F-12C1-C00E-6E94-DCF1BC487426}"/>
+                <a16:creationId xmlns:a16="http://schemas.microsoft.com/office/drawing/2014/main" id="{AE058C05-FF56-2707-1D6C-494B22E7BB20}"/>
               </a:ext>
             </a:extLst>
           </p:cNvPr>
@@ -2411,7 +2411,7 @@
           <p:cNvPr id="7" name="灯片编号占位符 6">
             <a:extLst>
               <a:ext uri="{FF2B5EF4-FFF2-40B4-BE49-F238E27FC236}">
-                <a16:creationId xmlns:a16="http://schemas.microsoft.com/office/drawing/2014/main" id="{1848442A-6975-C361-334F-A76AEDED7EB5}"/>
+                <a16:creationId xmlns:a16="http://schemas.microsoft.com/office/drawing/2014/main" id="{374DA919-65CE-5053-ECED-69D29EA57829}"/>
               </a:ext>
             </a:extLst>
           </p:cNvPr>
@@ -2427,7 +2427,7 @@
           <a:bodyPr/>
           <a:lstStyle/>
           <a:p>
-            <a:fld id="{6F9A9163-2372-409D-A26E-8A5F59515A3C}" type="slidenum">
+            <a:fld id="{95112DFE-CCAD-4E9B-9EBA-0184245E76ED}" type="slidenum">
               <a:rPr lang="zh-CN" altLang="en-US" smtClean="0"/>
               <a:t>‹#›</a:t>
             </a:fld>
@@ -2438,7 +2438,7 @@
     </p:spTree>
     <p:extLst>
       <p:ext uri="{BB962C8B-B14F-4D97-AF65-F5344CB8AC3E}">
-        <p14:creationId xmlns:p14="http://schemas.microsoft.com/office/powerpoint/2010/main" val="2026147066"/>
+        <p14:creationId xmlns:p14="http://schemas.microsoft.com/office/powerpoint/2010/main" val="371093953"/>
       </p:ext>
     </p:extLst>
   </p:cSld>
@@ -2470,7 +2470,7 @@
           <p:cNvPr id="2" name="标题 1">
             <a:extLst>
               <a:ext uri="{FF2B5EF4-FFF2-40B4-BE49-F238E27FC236}">
-                <a16:creationId xmlns:a16="http://schemas.microsoft.com/office/drawing/2014/main" id="{AA416730-A6A5-45B8-D40E-2CE33763D19E}"/>
+                <a16:creationId xmlns:a16="http://schemas.microsoft.com/office/drawing/2014/main" id="{03729040-E90D-DBF8-9B15-0C73FBABCD0B}"/>
               </a:ext>
             </a:extLst>
           </p:cNvPr>
@@ -2507,7 +2507,7 @@
           <p:cNvPr id="3" name="图片占位符 2">
             <a:extLst>
               <a:ext uri="{FF2B5EF4-FFF2-40B4-BE49-F238E27FC236}">
-                <a16:creationId xmlns:a16="http://schemas.microsoft.com/office/drawing/2014/main" id="{13A1B929-F012-FF18-933C-FB45001302C9}"/>
+                <a16:creationId xmlns:a16="http://schemas.microsoft.com/office/drawing/2014/main" id="{F2547563-70D6-1191-1C09-AAAE66665B44}"/>
               </a:ext>
             </a:extLst>
           </p:cNvPr>
@@ -2574,7 +2574,7 @@
           <p:cNvPr id="4" name="文本占位符 3">
             <a:extLst>
               <a:ext uri="{FF2B5EF4-FFF2-40B4-BE49-F238E27FC236}">
-                <a16:creationId xmlns:a16="http://schemas.microsoft.com/office/drawing/2014/main" id="{802989BB-9A4C-9EBC-FA14-8402A996052F}"/>
+                <a16:creationId xmlns:a16="http://schemas.microsoft.com/office/drawing/2014/main" id="{72BC9D6C-3646-7AD8-217F-33824393857C}"/>
               </a:ext>
             </a:extLst>
           </p:cNvPr>
@@ -2645,7 +2645,7 @@
           <p:cNvPr id="5" name="日期占位符 4">
             <a:extLst>
               <a:ext uri="{FF2B5EF4-FFF2-40B4-BE49-F238E27FC236}">
-                <a16:creationId xmlns:a16="http://schemas.microsoft.com/office/drawing/2014/main" id="{6CA53604-953D-7342-9920-E26FDDCBB009}"/>
+                <a16:creationId xmlns:a16="http://schemas.microsoft.com/office/drawing/2014/main" id="{E4E5A735-78B0-853A-C25A-E8AED003D537}"/>
               </a:ext>
             </a:extLst>
           </p:cNvPr>
@@ -2661,7 +2661,7 @@
           <a:bodyPr/>
           <a:lstStyle/>
           <a:p>
-            <a:fld id="{A196CCFB-636B-4881-87DE-4BF03195985A}" type="datetimeFigureOut">
+            <a:fld id="{5539F201-27EF-4D0E-899D-5C06B62540A2}" type="datetimeFigureOut">
               <a:rPr lang="zh-CN" altLang="en-US" smtClean="0"/>
               <a:t>2024/3/10</a:t>
             </a:fld>
@@ -2674,7 +2674,7 @@
           <p:cNvPr id="6" name="页脚占位符 5">
             <a:extLst>
               <a:ext uri="{FF2B5EF4-FFF2-40B4-BE49-F238E27FC236}">
-                <a16:creationId xmlns:a16="http://schemas.microsoft.com/office/drawing/2014/main" id="{4E3735EC-DFCD-8537-3B2E-2333DE30B000}"/>
+                <a16:creationId xmlns:a16="http://schemas.microsoft.com/office/drawing/2014/main" id="{0A23EE72-A86A-030E-D4EB-C3F74D6EC49B}"/>
               </a:ext>
             </a:extLst>
           </p:cNvPr>
@@ -2699,7 +2699,7 @@
           <p:cNvPr id="7" name="灯片编号占位符 6">
             <a:extLst>
               <a:ext uri="{FF2B5EF4-FFF2-40B4-BE49-F238E27FC236}">
-                <a16:creationId xmlns:a16="http://schemas.microsoft.com/office/drawing/2014/main" id="{396AA393-45A8-98E5-550F-121494C87D6B}"/>
+                <a16:creationId xmlns:a16="http://schemas.microsoft.com/office/drawing/2014/main" id="{BDCACEB1-1347-5505-27C8-AC4F42260128}"/>
               </a:ext>
             </a:extLst>
           </p:cNvPr>
@@ -2715,7 +2715,7 @@
           <a:bodyPr/>
           <a:lstStyle/>
           <a:p>
-            <a:fld id="{6F9A9163-2372-409D-A26E-8A5F59515A3C}" type="slidenum">
+            <a:fld id="{95112DFE-CCAD-4E9B-9EBA-0184245E76ED}" type="slidenum">
               <a:rPr lang="zh-CN" altLang="en-US" smtClean="0"/>
               <a:t>‹#›</a:t>
             </a:fld>
@@ -2726,7 +2726,7 @@
     </p:spTree>
     <p:extLst>
       <p:ext uri="{BB962C8B-B14F-4D97-AF65-F5344CB8AC3E}">
-        <p14:creationId xmlns:p14="http://schemas.microsoft.com/office/powerpoint/2010/main" val="2469291018"/>
+        <p14:creationId xmlns:p14="http://schemas.microsoft.com/office/powerpoint/2010/main" val="1981647194"/>
       </p:ext>
     </p:extLst>
   </p:cSld>
@@ -2763,7 +2763,7 @@
           <p:cNvPr id="2" name="标题占位符 1">
             <a:extLst>
               <a:ext uri="{FF2B5EF4-FFF2-40B4-BE49-F238E27FC236}">
-                <a16:creationId xmlns:a16="http://schemas.microsoft.com/office/drawing/2014/main" id="{476C7A61-718A-1A42-BE52-2F20F7D95ECD}"/>
+                <a16:creationId xmlns:a16="http://schemas.microsoft.com/office/drawing/2014/main" id="{1A6C3850-2D88-9FE2-A57C-B8AB16326D35}"/>
               </a:ext>
             </a:extLst>
           </p:cNvPr>
@@ -2801,7 +2801,7 @@
           <p:cNvPr id="3" name="文本占位符 2">
             <a:extLst>
               <a:ext uri="{FF2B5EF4-FFF2-40B4-BE49-F238E27FC236}">
-                <a16:creationId xmlns:a16="http://schemas.microsoft.com/office/drawing/2014/main" id="{81CD30F1-7B35-9911-D438-FEAB33303A88}"/>
+                <a16:creationId xmlns:a16="http://schemas.microsoft.com/office/drawing/2014/main" id="{FFD2188F-7CF1-C8FA-26D8-AFE344BE9246}"/>
               </a:ext>
             </a:extLst>
           </p:cNvPr>
@@ -2868,7 +2868,7 @@
           <p:cNvPr id="4" name="日期占位符 3">
             <a:extLst>
               <a:ext uri="{FF2B5EF4-FFF2-40B4-BE49-F238E27FC236}">
-                <a16:creationId xmlns:a16="http://schemas.microsoft.com/office/drawing/2014/main" id="{92653A76-6CB2-9751-B8A2-6CF84E293CD0}"/>
+                <a16:creationId xmlns:a16="http://schemas.microsoft.com/office/drawing/2014/main" id="{4B3FA760-D489-68C2-BF8A-8652C4C7C409}"/>
               </a:ext>
             </a:extLst>
           </p:cNvPr>
@@ -2902,7 +2902,7 @@
             </a:lvl1pPr>
           </a:lstStyle>
           <a:p>
-            <a:fld id="{A196CCFB-636B-4881-87DE-4BF03195985A}" type="datetimeFigureOut">
+            <a:fld id="{5539F201-27EF-4D0E-899D-5C06B62540A2}" type="datetimeFigureOut">
               <a:rPr lang="zh-CN" altLang="en-US" smtClean="0"/>
               <a:t>2024/3/10</a:t>
             </a:fld>
@@ -2915,7 +2915,7 @@
           <p:cNvPr id="5" name="页脚占位符 4">
             <a:extLst>
               <a:ext uri="{FF2B5EF4-FFF2-40B4-BE49-F238E27FC236}">
-                <a16:creationId xmlns:a16="http://schemas.microsoft.com/office/drawing/2014/main" id="{60C3758D-1894-9418-3418-7D949D741B01}"/>
+                <a16:creationId xmlns:a16="http://schemas.microsoft.com/office/drawing/2014/main" id="{4D270F06-1B69-36D9-A8D1-4DDFC0871E64}"/>
               </a:ext>
             </a:extLst>
           </p:cNvPr>
@@ -2958,7 +2958,7 @@
           <p:cNvPr id="6" name="灯片编号占位符 5">
             <a:extLst>
               <a:ext uri="{FF2B5EF4-FFF2-40B4-BE49-F238E27FC236}">
-                <a16:creationId xmlns:a16="http://schemas.microsoft.com/office/drawing/2014/main" id="{3EB41D32-8A22-F192-047C-3F788452E798}"/>
+                <a16:creationId xmlns:a16="http://schemas.microsoft.com/office/drawing/2014/main" id="{62187BD7-6724-1C25-982E-020B03F24465}"/>
               </a:ext>
             </a:extLst>
           </p:cNvPr>
@@ -2992,7 +2992,7 @@
             </a:lvl1pPr>
           </a:lstStyle>
           <a:p>
-            <a:fld id="{6F9A9163-2372-409D-A26E-8A5F59515A3C}" type="slidenum">
+            <a:fld id="{95112DFE-CCAD-4E9B-9EBA-0184245E76ED}" type="slidenum">
               <a:rPr lang="zh-CN" altLang="en-US" smtClean="0"/>
               <a:t>‹#›</a:t>
             </a:fld>
@@ -3003,7 +3003,7 @@
     </p:spTree>
     <p:extLst>
       <p:ext uri="{BB962C8B-B14F-4D97-AF65-F5344CB8AC3E}">
-        <p14:creationId xmlns:p14="http://schemas.microsoft.com/office/powerpoint/2010/main" val="2733676686"/>
+        <p14:creationId xmlns:p14="http://schemas.microsoft.com/office/powerpoint/2010/main" val="2696969206"/>
       </p:ext>
     </p:extLst>
   </p:cSld>
@@ -3323,7 +3323,7 @@
       </p:grpSpPr>
       <p:pic>
         <p:nvPicPr>
-          <p:cNvPr id="1393666" name="Picture 2" descr="1360"/>
+          <p:cNvPr id="1394690" name="Picture 2" descr="1361"/>
           <p:cNvPicPr>
             <a:picLocks noChangeAspect="1" noChangeArrowheads="1"/>
           </p:cNvPicPr>
@@ -3344,8 +3344,8 @@
         </p:blipFill>
         <p:spPr bwMode="auto">
           <a:xfrm>
-            <a:off x="1524000" y="1"/>
-            <a:ext cx="9144000" cy="4221163"/>
+            <a:off x="1524000" y="0"/>
+            <a:ext cx="9144000" cy="6858000"/>
           </a:xfrm>
           <a:prstGeom prst="rect">
             <a:avLst/>
@@ -3375,11 +3375,158 @@
           </a:extLst>
         </p:spPr>
       </p:pic>
+      <p:pic>
+        <p:nvPicPr>
+          <p:cNvPr id="1395715" name="Picture 3" descr="1361-2"/>
+          <p:cNvPicPr>
+            <a:picLocks noChangeAspect="1" noChangeArrowheads="1"/>
+          </p:cNvPicPr>
+          <p:nvPr/>
+        </p:nvPicPr>
+        <p:blipFill>
+          <a:blip r:embed="rId3">
+            <a:extLst>
+              <a:ext uri="{28A0092B-C50C-407E-A947-70E740481C1C}">
+                <a14:useLocalDpi xmlns:a14="http://schemas.microsoft.com/office/drawing/2010/main" val="0"/>
+              </a:ext>
+            </a:extLst>
+          </a:blip>
+          <a:srcRect/>
+          <a:stretch>
+            <a:fillRect/>
+          </a:stretch>
+        </p:blipFill>
+        <p:spPr bwMode="auto">
+          <a:xfrm>
+            <a:off x="1524000" y="0"/>
+            <a:ext cx="9144000" cy="6858000"/>
+          </a:xfrm>
+          <a:prstGeom prst="rect">
+            <a:avLst/>
+          </a:prstGeom>
+          <a:noFill/>
+          <a:ln>
+            <a:noFill/>
+          </a:ln>
+          <a:effectLst/>
+          <a:extLst>
+            <a:ext uri="{909E8E84-426E-40DD-AFC4-6F175D3DCCD1}">
+              <a14:hiddenFill xmlns:a14="http://schemas.microsoft.com/office/drawing/2010/main">
+                <a:solidFill>
+                  <a:srgbClr val="FFFFFF"/>
+                </a:solidFill>
+              </a14:hiddenFill>
+            </a:ext>
+            <a:ext uri="{91240B29-F687-4F45-9708-019B960494DF}">
+              <a14:hiddenLine xmlns:a14="http://schemas.microsoft.com/office/drawing/2010/main" w="9525">
+                <a:solidFill>
+                  <a:srgbClr val="000000"/>
+                </a:solidFill>
+                <a:miter lim="800000"/>
+                <a:headEnd/>
+                <a:tailEnd/>
+              </a14:hiddenLine>
+            </a:ext>
+            <a:ext uri="{AF507438-7753-43E0-B8FC-AC1667EBCBE1}">
+              <a14:hiddenEffects xmlns:a14="http://schemas.microsoft.com/office/drawing/2010/main">
+                <a:effectLst>
+                  <a:outerShdw dist="35921" dir="2700000" algn="ctr" rotWithShape="0">
+                    <a:srgbClr val="808080"/>
+                  </a:outerShdw>
+                </a:effectLst>
+              </a14:hiddenEffects>
+            </a:ext>
+          </a:extLst>
+        </p:spPr>
+      </p:pic>
     </p:spTree>
   </p:cSld>
   <p:clrMapOvr>
     <a:masterClrMapping/>
   </p:clrMapOvr>
+  <p:timing>
+    <p:tnLst>
+      <p:par>
+        <p:cTn id="1" dur="indefinite" restart="never" nodeType="tmRoot">
+          <p:childTnLst>
+            <p:seq concurrent="1" nextAc="seek">
+              <p:cTn id="2" dur="indefinite" nodeType="mainSeq">
+                <p:childTnLst>
+                  <p:par>
+                    <p:cTn id="3" fill="hold" nodeType="clickPar">
+                      <p:stCondLst>
+                        <p:cond delay="indefinite"/>
+                      </p:stCondLst>
+                      <p:childTnLst>
+                        <p:par>
+                          <p:cTn id="4" fill="hold" nodeType="withGroup">
+                            <p:stCondLst>
+                              <p:cond delay="0"/>
+                            </p:stCondLst>
+                            <p:childTnLst>
+                              <p:par>
+                                <p:cTn id="5" presetID="10" presetClass="entr" presetSubtype="0" fill="hold" nodeType="clickEffect">
+                                  <p:stCondLst>
+                                    <p:cond delay="0"/>
+                                  </p:stCondLst>
+                                  <p:childTnLst>
+                                    <p:set>
+                                      <p:cBhvr>
+                                        <p:cTn id="6" dur="1" fill="hold">
+                                          <p:stCondLst>
+                                            <p:cond delay="0"/>
+                                          </p:stCondLst>
+                                        </p:cTn>
+                                        <p:tgtEl>
+                                          <p:spTgt spid="1395715"/>
+                                        </p:tgtEl>
+                                        <p:attrNameLst>
+                                          <p:attrName>style.visibility</p:attrName>
+                                        </p:attrNameLst>
+                                      </p:cBhvr>
+                                      <p:to>
+                                        <p:strVal val="visible"/>
+                                      </p:to>
+                                    </p:set>
+                                    <p:animEffect transition="in" filter="fade">
+                                      <p:cBhvr>
+                                        <p:cTn id="7" dur="500"/>
+                                        <p:tgtEl>
+                                          <p:spTgt spid="1395715"/>
+                                        </p:tgtEl>
+                                      </p:cBhvr>
+                                    </p:animEffect>
+                                  </p:childTnLst>
+                                </p:cTn>
+                              </p:par>
+                            </p:childTnLst>
+                          </p:cTn>
+                        </p:par>
+                      </p:childTnLst>
+                    </p:cTn>
+                  </p:par>
+                </p:childTnLst>
+              </p:cTn>
+              <p:prevCondLst>
+                <p:cond evt="onPrev" delay="0">
+                  <p:tgtEl>
+                    <p:sldTgt/>
+                  </p:tgtEl>
+                </p:cond>
+              </p:prevCondLst>
+              <p:nextCondLst>
+                <p:cond evt="onNext" delay="0">
+                  <p:tgtEl>
+                    <p:sldTgt/>
+                  </p:tgtEl>
+                </p:cond>
+              </p:nextCondLst>
+            </p:seq>
+          </p:childTnLst>
+        </p:cTn>
+      </p:par>
+    </p:tnLst>
+  </p:timing>
 </p:sld>
 </file>
 
